--- a/Финальная презентация.pptx
+++ b/Финальная презентация.pptx
@@ -114,7 +114,7 @@
   </p:defaultTextStyle>
   <p:extLst>
     <p:ext uri="{EFAFB233-063F-42B5-8137-9DF3F51BA10A}">
-      <p15:sldGuideLst xmlns="" xmlns:p15="http://schemas.microsoft.com/office/powerpoint/2012/main"/>
+      <p15:sldGuideLst xmlns:p15="http://schemas.microsoft.com/office/powerpoint/2012/main" xmlns=""/>
     </p:ext>
   </p:extLst>
 </p:presentation>
@@ -3739,6 +3739,13 @@
   <p:clrMapOvr>
     <a:masterClrMapping/>
   </p:clrMapOvr>
+  <p:timing>
+    <p:tnLst>
+      <p:par>
+        <p:cTn id="1" dur="indefinite" restart="never" nodeType="tmRoot"/>
+      </p:par>
+    </p:tnLst>
+  </p:timing>
 </p:sld>
 </file>
 
@@ -3981,14 +3988,7 @@
                 <a:latin typeface="Cascadia Code" pitchFamily="49" charset="0"/>
                 <a:cs typeface="Cascadia Code" pitchFamily="49" charset="0"/>
               </a:rPr>
-              <a:t>Р</a:t>
-            </a:r>
-            <a:r>
-              <a:rPr lang="ru-RU" sz="2000" dirty="0" smtClean="0">
-                <a:latin typeface="Cascadia Code" pitchFamily="49" charset="0"/>
-                <a:cs typeface="Cascadia Code" pitchFamily="49" charset="0"/>
-              </a:rPr>
-              <a:t>азработчик</a:t>
+              <a:t>Разработчик</a:t>
             </a:r>
           </a:p>
         </p:txBody>
@@ -4045,10 +4045,6 @@
               </a:rPr>
               <a:t>Аналитик</a:t>
             </a:r>
-            <a:endParaRPr lang="ru-RU" sz="2000" dirty="0" smtClean="0">
-              <a:latin typeface="Cascadia Code" pitchFamily="49" charset="0"/>
-              <a:cs typeface="Cascadia Code" pitchFamily="49" charset="0"/>
-            </a:endParaRPr>
           </a:p>
         </p:txBody>
       </p:sp>
@@ -4271,6 +4267,13 @@
   <p:clrMapOvr>
     <a:masterClrMapping/>
   </p:clrMapOvr>
+  <p:timing>
+    <p:tnLst>
+      <p:par>
+        <p:cTn id="1" dur="indefinite" restart="never" nodeType="tmRoot"/>
+      </p:par>
+    </p:tnLst>
+  </p:timing>
 </p:sld>
 </file>
 
@@ -4511,14 +4514,7 @@
                 <a:latin typeface="Cascadia Code" pitchFamily="49" charset="0"/>
                 <a:cs typeface="Cascadia Code" pitchFamily="49" charset="0"/>
               </a:rPr>
-              <a:t>Разработать уникальный продукт, который может помочь абитуриенту познакомиться с </a:t>
-            </a:r>
-            <a:r>
-              <a:rPr lang="ru-RU" sz="2400" dirty="0" smtClean="0">
-                <a:latin typeface="Cascadia Code" pitchFamily="49" charset="0"/>
-                <a:cs typeface="Cascadia Code" pitchFamily="49" charset="0"/>
-              </a:rPr>
-              <a:t>профессией </a:t>
+              <a:t>Разработать уникальный продукт, который может помочь абитуриенту познакомиться с профессией </a:t>
             </a:r>
             <a:r>
               <a:rPr lang="ru-RU" sz="2400" dirty="0" err="1" smtClean="0">
@@ -4539,6 +4535,13 @@
   <p:clrMapOvr>
     <a:masterClrMapping/>
   </p:clrMapOvr>
+  <p:timing>
+    <p:tnLst>
+      <p:par>
+        <p:cTn id="1" dur="indefinite" restart="never" nodeType="tmRoot"/>
+      </p:par>
+    </p:tnLst>
+  </p:timing>
 </p:sld>
 </file>
 
@@ -5321,14 +5324,7 @@
                 <a:latin typeface="Cascadia Code" pitchFamily="49" charset="0"/>
                 <a:cs typeface="Cascadia Code" pitchFamily="49" charset="0"/>
               </a:rPr>
-              <a:t>о</a:t>
-            </a:r>
-            <a:r>
-              <a:rPr lang="ru-RU" dirty="0" smtClean="0">
-                <a:latin typeface="Cascadia Code" pitchFamily="49" charset="0"/>
-                <a:cs typeface="Cascadia Code" pitchFamily="49" charset="0"/>
-              </a:rPr>
-              <a:t>прошенных абитуриента</a:t>
+              <a:t>опрошенных абитуриента</a:t>
             </a:r>
             <a:endParaRPr lang="ru-RU" dirty="0">
               <a:latin typeface="Cascadia Code" pitchFamily="49" charset="0"/>
@@ -5342,6 +5338,13 @@
   <p:clrMapOvr>
     <a:masterClrMapping/>
   </p:clrMapOvr>
+  <p:timing>
+    <p:tnLst>
+      <p:par>
+        <p:cTn id="1" dur="indefinite" restart="never" nodeType="tmRoot"/>
+      </p:par>
+    </p:tnLst>
+  </p:timing>
 </p:sld>
 </file>
 
@@ -5857,6 +5860,13 @@
   <p:clrMapOvr>
     <a:masterClrMapping/>
   </p:clrMapOvr>
+  <p:timing>
+    <p:tnLst>
+      <p:par>
+        <p:cTn id="1" dur="indefinite" restart="never" nodeType="tmRoot"/>
+      </p:par>
+    </p:tnLst>
+  </p:timing>
 </p:sld>
 </file>
 
@@ -6259,6 +6269,13 @@
   <p:clrMapOvr>
     <a:masterClrMapping/>
   </p:clrMapOvr>
+  <p:timing>
+    <p:tnLst>
+      <p:par>
+        <p:cTn id="1" dur="indefinite" restart="never" nodeType="tmRoot"/>
+      </p:par>
+    </p:tnLst>
+  </p:timing>
 </p:sld>
 </file>
 
@@ -6684,6 +6701,13 @@
   <p:clrMapOvr>
     <a:masterClrMapping/>
   </p:clrMapOvr>
+  <p:timing>
+    <p:tnLst>
+      <p:par>
+        <p:cTn id="1" dur="indefinite" restart="never" nodeType="tmRoot"/>
+      </p:par>
+    </p:tnLst>
+  </p:timing>
 </p:sld>
 </file>
 
@@ -6969,6 +6993,13 @@
   <p:clrMapOvr>
     <a:masterClrMapping/>
   </p:clrMapOvr>
+  <p:timing>
+    <p:tnLst>
+      <p:par>
+        <p:cTn id="1" dur="indefinite" restart="never" nodeType="tmRoot"/>
+      </p:par>
+    </p:tnLst>
+  </p:timing>
 </p:sld>
 </file>
 
@@ -7239,18 +7270,18 @@
           <a:lstStyle/>
           <a:p>
             <a:r>
-              <a:rPr lang="ru-RU" sz="2400" dirty="0" err="1" smtClean="0">
-                <a:latin typeface="Cascadia Code" pitchFamily="49" charset="0"/>
-                <a:cs typeface="Cascadia Code" pitchFamily="49" charset="0"/>
-              </a:rPr>
-              <a:t>Реализованна</a:t>
-            </a:r>
-            <a:r>
               <a:rPr lang="ru-RU" sz="2400" dirty="0" smtClean="0">
                 <a:latin typeface="Cascadia Code" pitchFamily="49" charset="0"/>
                 <a:cs typeface="Cascadia Code" pitchFamily="49" charset="0"/>
               </a:rPr>
-              <a:t> визуальная составляющая новеллы </a:t>
+              <a:t>Реализована </a:t>
+            </a:r>
+            <a:r>
+              <a:rPr lang="ru-RU" sz="2400" dirty="0" smtClean="0">
+                <a:latin typeface="Cascadia Code" pitchFamily="49" charset="0"/>
+                <a:cs typeface="Cascadia Code" pitchFamily="49" charset="0"/>
+              </a:rPr>
+              <a:t>визуальная составляющая новеллы </a:t>
             </a:r>
             <a:endParaRPr lang="ru-RU" sz="2400" dirty="0">
               <a:latin typeface="Cascadia Code" pitchFamily="49" charset="0"/>
@@ -7390,6 +7421,13 @@
   <p:clrMapOvr>
     <a:masterClrMapping/>
   </p:clrMapOvr>
+  <p:timing>
+    <p:tnLst>
+      <p:par>
+        <p:cTn id="1" dur="indefinite" restart="never" nodeType="tmRoot"/>
+      </p:par>
+    </p:tnLst>
+  </p:timing>
 </p:sld>
 </file>
 
@@ -7622,26 +7660,6 @@
 </file>
 
 <file path=customXml/item1.xml><?xml version="1.0" encoding="utf-8"?>
-<p:properties xmlns:p="http://schemas.microsoft.com/office/2006/metadata/properties" xmlns:xsi="http://www.w3.org/2001/XMLSchema-instance" xmlns:pc="http://schemas.microsoft.com/office/infopath/2007/PartnerControls">
-  <documentManagement>
-    <lcf76f155ced4ddcb4097134ff3c332f xmlns="a2065ab3-3265-45c3-89b4-b828000f8389">
-      <Terms xmlns="http://schemas.microsoft.com/office/infopath/2007/PartnerControls"/>
-    </lcf76f155ced4ddcb4097134ff3c332f>
-    <TaxCatchAll xmlns="769e6070-33d8-4f30-9b1f-0d428d2add4d" xsi:nil="true"/>
-  </documentManagement>
-</p:properties>
-</file>
-
-<file path=customXml/item2.xml><?xml version="1.0" encoding="utf-8"?>
-<?mso-contentType ?>
-<FormTemplates xmlns="http://schemas.microsoft.com/sharepoint/v3/contenttype/forms">
-  <Display>DocumentLibraryForm</Display>
-  <Edit>DocumentLibraryForm</Edit>
-  <New>DocumentLibraryForm</New>
-</FormTemplates>
-</file>
-
-<file path=customXml/item3.xml><?xml version="1.0" encoding="utf-8"?>
 <ct:contentTypeSchema xmlns:ct="http://schemas.microsoft.com/office/2006/metadata/contentType" xmlns:ma="http://schemas.microsoft.com/office/2006/metadata/properties/metaAttributes" ct:_="" ma:_="" ma:contentTypeName="Document" ma:contentTypeID="0x0101002B08B14C0EDD5C4B8A1DDC0E2B0BD356" ma:contentTypeVersion="10" ma:contentTypeDescription="Create a new document." ma:contentTypeScope="" ma:versionID="a84fc820fa3b2262eb7429086c5c4383">
   <xsd:schema xmlns:xsd="http://www.w3.org/2001/XMLSchema" xmlns:xs="http://www.w3.org/2001/XMLSchema" xmlns:p="http://schemas.microsoft.com/office/2006/metadata/properties" xmlns:ns2="a2065ab3-3265-45c3-89b4-b828000f8389" xmlns:ns3="769e6070-33d8-4f30-9b1f-0d428d2add4d" targetNamespace="http://schemas.microsoft.com/office/2006/metadata/properties" ma:root="true" ma:fieldsID="5650bc18a4f38900dc99df63bdb26f9c" ns2:_="" ns3:_="">
     <xsd:import namespace="a2065ab3-3265-45c3-89b4-b828000f8389"/>
@@ -7830,32 +7848,27 @@
 </ct:contentTypeSchema>
 </file>
 
-<file path=customXml/itemProps1.xml><?xml version="1.0" encoding="utf-8"?>
-<ds:datastoreItem xmlns:ds="http://schemas.openxmlformats.org/officeDocument/2006/customXml" ds:itemID="{91C6C9BB-ADF7-4B29-BDE2-7F69DFE01DDC}">
-  <ds:schemaRefs>
-    <ds:schemaRef ds:uri="http://purl.org/dc/elements/1.1/"/>
-    <ds:schemaRef ds:uri="http://schemas.microsoft.com/office/2006/documentManagement/types"/>
-    <ds:schemaRef ds:uri="http://schemas.microsoft.com/office/infopath/2007/PartnerControls"/>
-    <ds:schemaRef ds:uri="http://schemas.microsoft.com/office/2006/metadata/properties"/>
-    <ds:schemaRef ds:uri="http://www.w3.org/XML/1998/namespace"/>
-    <ds:schemaRef ds:uri="http://schemas.openxmlformats.org/package/2006/metadata/core-properties"/>
-    <ds:schemaRef ds:uri="http://purl.org/dc/terms/"/>
-    <ds:schemaRef ds:uri="http://purl.org/dc/dcmitype/"/>
-    <ds:schemaRef ds:uri="a2065ab3-3265-45c3-89b4-b828000f8389"/>
-    <ds:schemaRef ds:uri="769e6070-33d8-4f30-9b1f-0d428d2add4d"/>
-  </ds:schemaRefs>
-</ds:datastoreItem>
+<file path=customXml/item2.xml><?xml version="1.0" encoding="utf-8"?>
+<?mso-contentType ?>
+<FormTemplates xmlns="http://schemas.microsoft.com/sharepoint/v3/contenttype/forms">
+  <Display>DocumentLibraryForm</Display>
+  <Edit>DocumentLibraryForm</Edit>
+  <New>DocumentLibraryForm</New>
+</FormTemplates>
 </file>
 
-<file path=customXml/itemProps2.xml><?xml version="1.0" encoding="utf-8"?>
-<ds:datastoreItem xmlns:ds="http://schemas.openxmlformats.org/officeDocument/2006/customXml" ds:itemID="{116B0248-B984-4645-8F56-F6C020582599}">
-  <ds:schemaRefs>
-    <ds:schemaRef ds:uri="http://schemas.microsoft.com/sharepoint/v3/contenttype/forms"/>
-  </ds:schemaRefs>
-</ds:datastoreItem>
+<file path=customXml/item3.xml><?xml version="1.0" encoding="utf-8"?>
+<p:properties xmlns:p="http://schemas.microsoft.com/office/2006/metadata/properties" xmlns:xsi="http://www.w3.org/2001/XMLSchema-instance" xmlns:pc="http://schemas.microsoft.com/office/infopath/2007/PartnerControls">
+  <documentManagement>
+    <lcf76f155ced4ddcb4097134ff3c332f xmlns="a2065ab3-3265-45c3-89b4-b828000f8389">
+      <Terms xmlns="http://schemas.microsoft.com/office/infopath/2007/PartnerControls"/>
+    </lcf76f155ced4ddcb4097134ff3c332f>
+    <TaxCatchAll xmlns="769e6070-33d8-4f30-9b1f-0d428d2add4d" xsi:nil="true"/>
+  </documentManagement>
+</p:properties>
 </file>
 
-<file path=customXml/itemProps3.xml><?xml version="1.0" encoding="utf-8"?>
+<file path=customXml/itemProps1.xml><?xml version="1.0" encoding="utf-8"?>
 <ds:datastoreItem xmlns:ds="http://schemas.openxmlformats.org/officeDocument/2006/customXml" ds:itemID="{7457C022-3424-4D07-96E7-D0F218BF2067}">
   <ds:schemaRefs>
     <ds:schemaRef ds:uri="http://schemas.microsoft.com/office/2006/metadata/contentType"/>
@@ -7872,4 +7885,29 @@
     <ds:schemaRef ds:uri="http://schemas.microsoft.com/internal/obd"/>
   </ds:schemaRefs>
 </ds:datastoreItem>
+</file>
+
+<file path=customXml/itemProps2.xml><?xml version="1.0" encoding="utf-8"?>
+<ds:datastoreItem xmlns:ds="http://schemas.openxmlformats.org/officeDocument/2006/customXml" ds:itemID="{116B0248-B984-4645-8F56-F6C020582599}">
+  <ds:schemaRefs>
+    <ds:schemaRef ds:uri="http://schemas.microsoft.com/sharepoint/v3/contenttype/forms"/>
+  </ds:schemaRefs>
+</ds:datastoreItem>
+</file>
+
+<file path=customXml/itemProps3.xml><?xml version="1.0" encoding="utf-8"?>
+<ds:datastoreItem xmlns:ds="http://schemas.openxmlformats.org/officeDocument/2006/customXml" ds:itemID="{91C6C9BB-ADF7-4B29-BDE2-7F69DFE01DDC}">
+  <ds:schemaRefs>
+    <ds:schemaRef ds:uri="http://purl.org/dc/elements/1.1/"/>
+    <ds:schemaRef ds:uri="http://schemas.microsoft.com/office/2006/documentManagement/types"/>
+    <ds:schemaRef ds:uri="http://schemas.microsoft.com/office/infopath/2007/PartnerControls"/>
+    <ds:schemaRef ds:uri="http://schemas.microsoft.com/office/2006/metadata/properties"/>
+    <ds:schemaRef ds:uri="http://www.w3.org/XML/1998/namespace"/>
+    <ds:schemaRef ds:uri="http://schemas.openxmlformats.org/package/2006/metadata/core-properties"/>
+    <ds:schemaRef ds:uri="http://purl.org/dc/terms/"/>
+    <ds:schemaRef ds:uri="http://purl.org/dc/dcmitype/"/>
+    <ds:schemaRef ds:uri="a2065ab3-3265-45c3-89b4-b828000f8389"/>
+    <ds:schemaRef ds:uri="769e6070-33d8-4f30-9b1f-0d428d2add4d"/>
+  </ds:schemaRefs>
+</ds:datastoreItem>
 </file>
--- a/Финальная презентация.pptx
+++ b/Финальная презентация.pptx
@@ -114,7 +114,7 @@
   </p:defaultTextStyle>
   <p:extLst>
     <p:ext uri="{EFAFB233-063F-42B5-8137-9DF3F51BA10A}">
-      <p15:sldGuideLst xmlns:p15="http://schemas.microsoft.com/office/powerpoint/2012/main" xmlns=""/>
+      <p15:sldGuideLst xmlns="" xmlns:p15="http://schemas.microsoft.com/office/powerpoint/2012/main"/>
     </p:ext>
   </p:extLst>
 </p:presentation>
@@ -3692,7 +3692,7 @@
         </p:nvSpPr>
         <p:spPr>
           <a:xfrm>
-            <a:off x="4791075" y="3933825"/>
+            <a:off x="4820258" y="3933825"/>
             <a:ext cx="3147015" cy="369332"/>
           </a:xfrm>
           <a:prstGeom prst="rect">
@@ -4517,11 +4517,18 @@
               <a:t>Разработать уникальный продукт, который может помочь абитуриенту познакомиться с профессией </a:t>
             </a:r>
             <a:r>
+              <a:rPr lang="ru-RU" sz="2400" dirty="0" smtClean="0">
+                <a:latin typeface="Cascadia Code" pitchFamily="49" charset="0"/>
+                <a:cs typeface="Cascadia Code" pitchFamily="49" charset="0"/>
+              </a:rPr>
+              <a:t>специалист по </a:t>
+            </a:r>
+            <a:r>
               <a:rPr lang="ru-RU" sz="2400" dirty="0" err="1" smtClean="0">
                 <a:latin typeface="Cascadia Code" pitchFamily="49" charset="0"/>
                 <a:cs typeface="Cascadia Code" pitchFamily="49" charset="0"/>
               </a:rPr>
-              <a:t>кибербезопасник</a:t>
+              <a:t>кибербезопасности</a:t>
             </a:r>
             <a:endParaRPr lang="ru-RU" sz="2400" dirty="0">
               <a:latin typeface="Cascadia Code" pitchFamily="49" charset="0"/>
@@ -5749,14 +5756,21 @@
                 <a:latin typeface="Cascadia Code" pitchFamily="49" charset="0"/>
                 <a:cs typeface="Cascadia Code" pitchFamily="49" charset="0"/>
               </a:rPr>
-              <a:t>Абитуриент сможет прикоснуться к профессии </a:t>
+              <a:t>Абитуриент сможет прикоснуться к </a:t>
+            </a:r>
+            <a:r>
+              <a:rPr lang="ru-RU" sz="2400" dirty="0" smtClean="0">
+                <a:latin typeface="Cascadia Code" pitchFamily="49" charset="0"/>
+                <a:cs typeface="Cascadia Code" pitchFamily="49" charset="0"/>
+              </a:rPr>
+              <a:t>профессии специалист по </a:t>
             </a:r>
             <a:r>
               <a:rPr lang="ru-RU" sz="2400" dirty="0" err="1" smtClean="0">
                 <a:latin typeface="Cascadia Code" pitchFamily="49" charset="0"/>
                 <a:cs typeface="Cascadia Code" pitchFamily="49" charset="0"/>
               </a:rPr>
-              <a:t>кибербезопасник</a:t>
+              <a:t>кибербезопасности</a:t>
             </a:r>
             <a:endParaRPr lang="ru-RU" sz="2400" dirty="0">
               <a:latin typeface="Cascadia Code" pitchFamily="49" charset="0"/>
@@ -7274,14 +7288,7 @@
                 <a:latin typeface="Cascadia Code" pitchFamily="49" charset="0"/>
                 <a:cs typeface="Cascadia Code" pitchFamily="49" charset="0"/>
               </a:rPr>
-              <a:t>Реализована </a:t>
-            </a:r>
-            <a:r>
-              <a:rPr lang="ru-RU" sz="2400" dirty="0" smtClean="0">
-                <a:latin typeface="Cascadia Code" pitchFamily="49" charset="0"/>
-                <a:cs typeface="Cascadia Code" pitchFamily="49" charset="0"/>
-              </a:rPr>
-              <a:t>визуальная составляющая новеллы </a:t>
+              <a:t>Реализована визуальная составляющая новеллы </a:t>
             </a:r>
             <a:endParaRPr lang="ru-RU" sz="2400" dirty="0">
               <a:latin typeface="Cascadia Code" pitchFamily="49" charset="0"/>
@@ -7660,6 +7667,26 @@
 </file>
 
 <file path=customXml/item1.xml><?xml version="1.0" encoding="utf-8"?>
+<p:properties xmlns:p="http://schemas.microsoft.com/office/2006/metadata/properties" xmlns:xsi="http://www.w3.org/2001/XMLSchema-instance" xmlns:pc="http://schemas.microsoft.com/office/infopath/2007/PartnerControls">
+  <documentManagement>
+    <lcf76f155ced4ddcb4097134ff3c332f xmlns="a2065ab3-3265-45c3-89b4-b828000f8389">
+      <Terms xmlns="http://schemas.microsoft.com/office/infopath/2007/PartnerControls"/>
+    </lcf76f155ced4ddcb4097134ff3c332f>
+    <TaxCatchAll xmlns="769e6070-33d8-4f30-9b1f-0d428d2add4d" xsi:nil="true"/>
+  </documentManagement>
+</p:properties>
+</file>
+
+<file path=customXml/item2.xml><?xml version="1.0" encoding="utf-8"?>
+<?mso-contentType ?>
+<FormTemplates xmlns="http://schemas.microsoft.com/sharepoint/v3/contenttype/forms">
+  <Display>DocumentLibraryForm</Display>
+  <Edit>DocumentLibraryForm</Edit>
+  <New>DocumentLibraryForm</New>
+</FormTemplates>
+</file>
+
+<file path=customXml/item3.xml><?xml version="1.0" encoding="utf-8"?>
 <ct:contentTypeSchema xmlns:ct="http://schemas.microsoft.com/office/2006/metadata/contentType" xmlns:ma="http://schemas.microsoft.com/office/2006/metadata/properties/metaAttributes" ct:_="" ma:_="" ma:contentTypeName="Document" ma:contentTypeID="0x0101002B08B14C0EDD5C4B8A1DDC0E2B0BD356" ma:contentTypeVersion="10" ma:contentTypeDescription="Create a new document." ma:contentTypeScope="" ma:versionID="a84fc820fa3b2262eb7429086c5c4383">
   <xsd:schema xmlns:xsd="http://www.w3.org/2001/XMLSchema" xmlns:xs="http://www.w3.org/2001/XMLSchema" xmlns:p="http://schemas.microsoft.com/office/2006/metadata/properties" xmlns:ns2="a2065ab3-3265-45c3-89b4-b828000f8389" xmlns:ns3="769e6070-33d8-4f30-9b1f-0d428d2add4d" targetNamespace="http://schemas.microsoft.com/office/2006/metadata/properties" ma:root="true" ma:fieldsID="5650bc18a4f38900dc99df63bdb26f9c" ns2:_="" ns3:_="">
     <xsd:import namespace="a2065ab3-3265-45c3-89b4-b828000f8389"/>
@@ -7848,27 +7875,32 @@
 </ct:contentTypeSchema>
 </file>
 
-<file path=customXml/item2.xml><?xml version="1.0" encoding="utf-8"?>
-<?mso-contentType ?>
-<FormTemplates xmlns="http://schemas.microsoft.com/sharepoint/v3/contenttype/forms">
-  <Display>DocumentLibraryForm</Display>
-  <Edit>DocumentLibraryForm</Edit>
-  <New>DocumentLibraryForm</New>
-</FormTemplates>
+<file path=customXml/itemProps1.xml><?xml version="1.0" encoding="utf-8"?>
+<ds:datastoreItem xmlns:ds="http://schemas.openxmlformats.org/officeDocument/2006/customXml" ds:itemID="{91C6C9BB-ADF7-4B29-BDE2-7F69DFE01DDC}">
+  <ds:schemaRefs>
+    <ds:schemaRef ds:uri="http://purl.org/dc/elements/1.1/"/>
+    <ds:schemaRef ds:uri="http://schemas.microsoft.com/office/2006/documentManagement/types"/>
+    <ds:schemaRef ds:uri="http://schemas.microsoft.com/office/infopath/2007/PartnerControls"/>
+    <ds:schemaRef ds:uri="http://schemas.microsoft.com/office/2006/metadata/properties"/>
+    <ds:schemaRef ds:uri="http://www.w3.org/XML/1998/namespace"/>
+    <ds:schemaRef ds:uri="http://schemas.openxmlformats.org/package/2006/metadata/core-properties"/>
+    <ds:schemaRef ds:uri="http://purl.org/dc/terms/"/>
+    <ds:schemaRef ds:uri="http://purl.org/dc/dcmitype/"/>
+    <ds:schemaRef ds:uri="a2065ab3-3265-45c3-89b4-b828000f8389"/>
+    <ds:schemaRef ds:uri="769e6070-33d8-4f30-9b1f-0d428d2add4d"/>
+  </ds:schemaRefs>
+</ds:datastoreItem>
 </file>
 
-<file path=customXml/item3.xml><?xml version="1.0" encoding="utf-8"?>
-<p:properties xmlns:p="http://schemas.microsoft.com/office/2006/metadata/properties" xmlns:xsi="http://www.w3.org/2001/XMLSchema-instance" xmlns:pc="http://schemas.microsoft.com/office/infopath/2007/PartnerControls">
-  <documentManagement>
-    <lcf76f155ced4ddcb4097134ff3c332f xmlns="a2065ab3-3265-45c3-89b4-b828000f8389">
-      <Terms xmlns="http://schemas.microsoft.com/office/infopath/2007/PartnerControls"/>
-    </lcf76f155ced4ddcb4097134ff3c332f>
-    <TaxCatchAll xmlns="769e6070-33d8-4f30-9b1f-0d428d2add4d" xsi:nil="true"/>
-  </documentManagement>
-</p:properties>
+<file path=customXml/itemProps2.xml><?xml version="1.0" encoding="utf-8"?>
+<ds:datastoreItem xmlns:ds="http://schemas.openxmlformats.org/officeDocument/2006/customXml" ds:itemID="{116B0248-B984-4645-8F56-F6C020582599}">
+  <ds:schemaRefs>
+    <ds:schemaRef ds:uri="http://schemas.microsoft.com/sharepoint/v3/contenttype/forms"/>
+  </ds:schemaRefs>
+</ds:datastoreItem>
 </file>
 
-<file path=customXml/itemProps1.xml><?xml version="1.0" encoding="utf-8"?>
+<file path=customXml/itemProps3.xml><?xml version="1.0" encoding="utf-8"?>
 <ds:datastoreItem xmlns:ds="http://schemas.openxmlformats.org/officeDocument/2006/customXml" ds:itemID="{7457C022-3424-4D07-96E7-D0F218BF2067}">
   <ds:schemaRefs>
     <ds:schemaRef ds:uri="http://schemas.microsoft.com/office/2006/metadata/contentType"/>
@@ -7885,29 +7917,4 @@
     <ds:schemaRef ds:uri="http://schemas.microsoft.com/internal/obd"/>
   </ds:schemaRefs>
 </ds:datastoreItem>
-</file>
-
-<file path=customXml/itemProps2.xml><?xml version="1.0" encoding="utf-8"?>
-<ds:datastoreItem xmlns:ds="http://schemas.openxmlformats.org/officeDocument/2006/customXml" ds:itemID="{116B0248-B984-4645-8F56-F6C020582599}">
-  <ds:schemaRefs>
-    <ds:schemaRef ds:uri="http://schemas.microsoft.com/sharepoint/v3/contenttype/forms"/>
-  </ds:schemaRefs>
-</ds:datastoreItem>
-</file>
-
-<file path=customXml/itemProps3.xml><?xml version="1.0" encoding="utf-8"?>
-<ds:datastoreItem xmlns:ds="http://schemas.openxmlformats.org/officeDocument/2006/customXml" ds:itemID="{91C6C9BB-ADF7-4B29-BDE2-7F69DFE01DDC}">
-  <ds:schemaRefs>
-    <ds:schemaRef ds:uri="http://purl.org/dc/elements/1.1/"/>
-    <ds:schemaRef ds:uri="http://schemas.microsoft.com/office/2006/documentManagement/types"/>
-    <ds:schemaRef ds:uri="http://schemas.microsoft.com/office/infopath/2007/PartnerControls"/>
-    <ds:schemaRef ds:uri="http://schemas.microsoft.com/office/2006/metadata/properties"/>
-    <ds:schemaRef ds:uri="http://www.w3.org/XML/1998/namespace"/>
-    <ds:schemaRef ds:uri="http://schemas.openxmlformats.org/package/2006/metadata/core-properties"/>
-    <ds:schemaRef ds:uri="http://purl.org/dc/terms/"/>
-    <ds:schemaRef ds:uri="http://purl.org/dc/dcmitype/"/>
-    <ds:schemaRef ds:uri="a2065ab3-3265-45c3-89b4-b828000f8389"/>
-    <ds:schemaRef ds:uri="769e6070-33d8-4f30-9b1f-0d428d2add4d"/>
-  </ds:schemaRefs>
-</ds:datastoreItem>
 </file>
--- a/Финальная презентация.pptx
+++ b/Финальная презентация.pptx
@@ -114,7 +114,7 @@
   </p:defaultTextStyle>
   <p:extLst>
     <p:ext uri="{EFAFB233-063F-42B5-8137-9DF3F51BA10A}">
-      <p15:sldGuideLst xmlns="" xmlns:p15="http://schemas.microsoft.com/office/powerpoint/2012/main"/>
+      <p15:sldGuideLst xmlns:p15="http://schemas.microsoft.com/office/powerpoint/2012/main" xmlns=""/>
     </p:ext>
   </p:extLst>
 </p:presentation>
@@ -4514,14 +4514,7 @@
                 <a:latin typeface="Cascadia Code" pitchFamily="49" charset="0"/>
                 <a:cs typeface="Cascadia Code" pitchFamily="49" charset="0"/>
               </a:rPr>
-              <a:t>Разработать уникальный продукт, который может помочь абитуриенту познакомиться с профессией </a:t>
-            </a:r>
-            <a:r>
-              <a:rPr lang="ru-RU" sz="2400" dirty="0" smtClean="0">
-                <a:latin typeface="Cascadia Code" pitchFamily="49" charset="0"/>
-                <a:cs typeface="Cascadia Code" pitchFamily="49" charset="0"/>
-              </a:rPr>
-              <a:t>специалист по </a:t>
+              <a:t>Разработать уникальный продукт, который может помочь абитуриенту познакомиться с профессией специалист по </a:t>
             </a:r>
             <a:r>
               <a:rPr lang="ru-RU" sz="2400" dirty="0" err="1" smtClean="0">
@@ -5315,7 +5308,7 @@
                 <a:latin typeface="Cascadia Code" pitchFamily="49" charset="0"/>
                 <a:cs typeface="Cascadia Code" pitchFamily="49" charset="0"/>
               </a:rPr>
-              <a:t>12</a:t>
+              <a:t>24</a:t>
             </a:r>
             <a:r>
               <a:rPr lang="ru-RU" dirty="0" smtClean="0">
@@ -5324,6 +5317,10 @@
               </a:rPr>
               <a:t> </a:t>
             </a:r>
+            <a:endParaRPr lang="ru-RU" dirty="0" smtClean="0">
+              <a:latin typeface="Cascadia Code" pitchFamily="49" charset="0"/>
+              <a:cs typeface="Cascadia Code" pitchFamily="49" charset="0"/>
+            </a:endParaRPr>
           </a:p>
           <a:p>
             <a:r>
@@ -5756,14 +5753,7 @@
                 <a:latin typeface="Cascadia Code" pitchFamily="49" charset="0"/>
                 <a:cs typeface="Cascadia Code" pitchFamily="49" charset="0"/>
               </a:rPr>
-              <a:t>Абитуриент сможет прикоснуться к </a:t>
-            </a:r>
-            <a:r>
-              <a:rPr lang="ru-RU" sz="2400" dirty="0" smtClean="0">
-                <a:latin typeface="Cascadia Code" pitchFamily="49" charset="0"/>
-                <a:cs typeface="Cascadia Code" pitchFamily="49" charset="0"/>
-              </a:rPr>
-              <a:t>профессии специалист по </a:t>
+              <a:t>Абитуриент сможет прикоснуться к профессии специалист по </a:t>
             </a:r>
             <a:r>
               <a:rPr lang="ru-RU" sz="2400" dirty="0" err="1" smtClean="0">
@@ -6104,7 +6094,7 @@
         <p:spPr>
           <a:xfrm>
             <a:off x="809625" y="2647950"/>
-            <a:ext cx="7686675" cy="830997"/>
+            <a:ext cx="7686675" cy="1200329"/>
           </a:xfrm>
           <a:prstGeom prst="rect">
             <a:avLst/>
@@ -6122,14 +6112,35 @@
                 <a:latin typeface="Cascadia Code" pitchFamily="49" charset="0"/>
                 <a:cs typeface="Cascadia Code" pitchFamily="49" charset="0"/>
               </a:rPr>
-              <a:t>Создал сценарий, погружающий абитуриента в профессию </a:t>
+              <a:t>Написал</a:t>
+            </a:r>
+            <a:r>
+              <a:rPr lang="ru-RU" sz="2400" dirty="0" smtClean="0">
+                <a:latin typeface="Cascadia Code" pitchFamily="49" charset="0"/>
+                <a:cs typeface="Cascadia Code" pitchFamily="49" charset="0"/>
+              </a:rPr>
+              <a:t> </a:t>
+            </a:r>
+            <a:r>
+              <a:rPr lang="ru-RU" sz="2400" dirty="0" smtClean="0">
+                <a:latin typeface="Cascadia Code" pitchFamily="49" charset="0"/>
+                <a:cs typeface="Cascadia Code" pitchFamily="49" charset="0"/>
+              </a:rPr>
+              <a:t>сценарий, погружающий абитуриента в </a:t>
+            </a:r>
+            <a:r>
+              <a:rPr lang="ru-RU" sz="2400" dirty="0" smtClean="0">
+                <a:latin typeface="Cascadia Code" pitchFamily="49" charset="0"/>
+                <a:cs typeface="Cascadia Code" pitchFamily="49" charset="0"/>
+              </a:rPr>
+              <a:t>профессию специалист по </a:t>
             </a:r>
             <a:r>
               <a:rPr lang="ru-RU" sz="2400" dirty="0" err="1" smtClean="0">
                 <a:latin typeface="Cascadia Code" pitchFamily="49" charset="0"/>
                 <a:cs typeface="Cascadia Code" pitchFamily="49" charset="0"/>
               </a:rPr>
-              <a:t>кибербезопасник</a:t>
+              <a:t>кибербезопасночти</a:t>
             </a:r>
             <a:endParaRPr lang="ru-RU" sz="2400" dirty="0">
               <a:latin typeface="Cascadia Code" pitchFamily="49" charset="0"/>
@@ -6198,7 +6209,7 @@
         </p:nvSpPr>
         <p:spPr>
           <a:xfrm>
-            <a:off x="752475" y="3571875"/>
+            <a:off x="762202" y="3980437"/>
             <a:ext cx="5437707" cy="461665"/>
           </a:xfrm>
           <a:prstGeom prst="rect">
@@ -6234,7 +6245,7 @@
         </p:nvSpPr>
         <p:spPr>
           <a:xfrm>
-            <a:off x="409575" y="3676650"/>
+            <a:off x="419302" y="4085212"/>
             <a:ext cx="295275" cy="295275"/>
           </a:xfrm>
           <a:prstGeom prst="ellipse">
@@ -7667,26 +7678,6 @@
 </file>
 
 <file path=customXml/item1.xml><?xml version="1.0" encoding="utf-8"?>
-<p:properties xmlns:p="http://schemas.microsoft.com/office/2006/metadata/properties" xmlns:xsi="http://www.w3.org/2001/XMLSchema-instance" xmlns:pc="http://schemas.microsoft.com/office/infopath/2007/PartnerControls">
-  <documentManagement>
-    <lcf76f155ced4ddcb4097134ff3c332f xmlns="a2065ab3-3265-45c3-89b4-b828000f8389">
-      <Terms xmlns="http://schemas.microsoft.com/office/infopath/2007/PartnerControls"/>
-    </lcf76f155ced4ddcb4097134ff3c332f>
-    <TaxCatchAll xmlns="769e6070-33d8-4f30-9b1f-0d428d2add4d" xsi:nil="true"/>
-  </documentManagement>
-</p:properties>
-</file>
-
-<file path=customXml/item2.xml><?xml version="1.0" encoding="utf-8"?>
-<?mso-contentType ?>
-<FormTemplates xmlns="http://schemas.microsoft.com/sharepoint/v3/contenttype/forms">
-  <Display>DocumentLibraryForm</Display>
-  <Edit>DocumentLibraryForm</Edit>
-  <New>DocumentLibraryForm</New>
-</FormTemplates>
-</file>
-
-<file path=customXml/item3.xml><?xml version="1.0" encoding="utf-8"?>
 <ct:contentTypeSchema xmlns:ct="http://schemas.microsoft.com/office/2006/metadata/contentType" xmlns:ma="http://schemas.microsoft.com/office/2006/metadata/properties/metaAttributes" ct:_="" ma:_="" ma:contentTypeName="Document" ma:contentTypeID="0x0101002B08B14C0EDD5C4B8A1DDC0E2B0BD356" ma:contentTypeVersion="10" ma:contentTypeDescription="Create a new document." ma:contentTypeScope="" ma:versionID="a84fc820fa3b2262eb7429086c5c4383">
   <xsd:schema xmlns:xsd="http://www.w3.org/2001/XMLSchema" xmlns:xs="http://www.w3.org/2001/XMLSchema" xmlns:p="http://schemas.microsoft.com/office/2006/metadata/properties" xmlns:ns2="a2065ab3-3265-45c3-89b4-b828000f8389" xmlns:ns3="769e6070-33d8-4f30-9b1f-0d428d2add4d" targetNamespace="http://schemas.microsoft.com/office/2006/metadata/properties" ma:root="true" ma:fieldsID="5650bc18a4f38900dc99df63bdb26f9c" ns2:_="" ns3:_="">
     <xsd:import namespace="a2065ab3-3265-45c3-89b4-b828000f8389"/>
@@ -7875,32 +7866,27 @@
 </ct:contentTypeSchema>
 </file>
 
-<file path=customXml/itemProps1.xml><?xml version="1.0" encoding="utf-8"?>
-<ds:datastoreItem xmlns:ds="http://schemas.openxmlformats.org/officeDocument/2006/customXml" ds:itemID="{91C6C9BB-ADF7-4B29-BDE2-7F69DFE01DDC}">
-  <ds:schemaRefs>
-    <ds:schemaRef ds:uri="http://purl.org/dc/elements/1.1/"/>
-    <ds:schemaRef ds:uri="http://schemas.microsoft.com/office/2006/documentManagement/types"/>
-    <ds:schemaRef ds:uri="http://schemas.microsoft.com/office/infopath/2007/PartnerControls"/>
-    <ds:schemaRef ds:uri="http://schemas.microsoft.com/office/2006/metadata/properties"/>
-    <ds:schemaRef ds:uri="http://www.w3.org/XML/1998/namespace"/>
-    <ds:schemaRef ds:uri="http://schemas.openxmlformats.org/package/2006/metadata/core-properties"/>
-    <ds:schemaRef ds:uri="http://purl.org/dc/terms/"/>
-    <ds:schemaRef ds:uri="http://purl.org/dc/dcmitype/"/>
-    <ds:schemaRef ds:uri="a2065ab3-3265-45c3-89b4-b828000f8389"/>
-    <ds:schemaRef ds:uri="769e6070-33d8-4f30-9b1f-0d428d2add4d"/>
-  </ds:schemaRefs>
-</ds:datastoreItem>
+<file path=customXml/item2.xml><?xml version="1.0" encoding="utf-8"?>
+<?mso-contentType ?>
+<FormTemplates xmlns="http://schemas.microsoft.com/sharepoint/v3/contenttype/forms">
+  <Display>DocumentLibraryForm</Display>
+  <Edit>DocumentLibraryForm</Edit>
+  <New>DocumentLibraryForm</New>
+</FormTemplates>
 </file>
 
-<file path=customXml/itemProps2.xml><?xml version="1.0" encoding="utf-8"?>
-<ds:datastoreItem xmlns:ds="http://schemas.openxmlformats.org/officeDocument/2006/customXml" ds:itemID="{116B0248-B984-4645-8F56-F6C020582599}">
-  <ds:schemaRefs>
-    <ds:schemaRef ds:uri="http://schemas.microsoft.com/sharepoint/v3/contenttype/forms"/>
-  </ds:schemaRefs>
-</ds:datastoreItem>
+<file path=customXml/item3.xml><?xml version="1.0" encoding="utf-8"?>
+<p:properties xmlns:p="http://schemas.microsoft.com/office/2006/metadata/properties" xmlns:xsi="http://www.w3.org/2001/XMLSchema-instance" xmlns:pc="http://schemas.microsoft.com/office/infopath/2007/PartnerControls">
+  <documentManagement>
+    <lcf76f155ced4ddcb4097134ff3c332f xmlns="a2065ab3-3265-45c3-89b4-b828000f8389">
+      <Terms xmlns="http://schemas.microsoft.com/office/infopath/2007/PartnerControls"/>
+    </lcf76f155ced4ddcb4097134ff3c332f>
+    <TaxCatchAll xmlns="769e6070-33d8-4f30-9b1f-0d428d2add4d" xsi:nil="true"/>
+  </documentManagement>
+</p:properties>
 </file>
 
-<file path=customXml/itemProps3.xml><?xml version="1.0" encoding="utf-8"?>
+<file path=customXml/itemProps1.xml><?xml version="1.0" encoding="utf-8"?>
 <ds:datastoreItem xmlns:ds="http://schemas.openxmlformats.org/officeDocument/2006/customXml" ds:itemID="{7457C022-3424-4D07-96E7-D0F218BF2067}">
   <ds:schemaRefs>
     <ds:schemaRef ds:uri="http://schemas.microsoft.com/office/2006/metadata/contentType"/>
@@ -7917,4 +7903,29 @@
     <ds:schemaRef ds:uri="http://schemas.microsoft.com/internal/obd"/>
   </ds:schemaRefs>
 </ds:datastoreItem>
+</file>
+
+<file path=customXml/itemProps2.xml><?xml version="1.0" encoding="utf-8"?>
+<ds:datastoreItem xmlns:ds="http://schemas.openxmlformats.org/officeDocument/2006/customXml" ds:itemID="{116B0248-B984-4645-8F56-F6C020582599}">
+  <ds:schemaRefs>
+    <ds:schemaRef ds:uri="http://schemas.microsoft.com/sharepoint/v3/contenttype/forms"/>
+  </ds:schemaRefs>
+</ds:datastoreItem>
+</file>
+
+<file path=customXml/itemProps3.xml><?xml version="1.0" encoding="utf-8"?>
+<ds:datastoreItem xmlns:ds="http://schemas.openxmlformats.org/officeDocument/2006/customXml" ds:itemID="{91C6C9BB-ADF7-4B29-BDE2-7F69DFE01DDC}">
+  <ds:schemaRefs>
+    <ds:schemaRef ds:uri="http://purl.org/dc/elements/1.1/"/>
+    <ds:schemaRef ds:uri="http://schemas.microsoft.com/office/2006/documentManagement/types"/>
+    <ds:schemaRef ds:uri="http://schemas.microsoft.com/office/infopath/2007/PartnerControls"/>
+    <ds:schemaRef ds:uri="http://schemas.microsoft.com/office/2006/metadata/properties"/>
+    <ds:schemaRef ds:uri="http://www.w3.org/XML/1998/namespace"/>
+    <ds:schemaRef ds:uri="http://schemas.openxmlformats.org/package/2006/metadata/core-properties"/>
+    <ds:schemaRef ds:uri="http://purl.org/dc/terms/"/>
+    <ds:schemaRef ds:uri="http://purl.org/dc/dcmitype/"/>
+    <ds:schemaRef ds:uri="a2065ab3-3265-45c3-89b4-b828000f8389"/>
+    <ds:schemaRef ds:uri="769e6070-33d8-4f30-9b1f-0d428d2add4d"/>
+  </ds:schemaRefs>
+</ds:datastoreItem>
 </file>